--- a/Indian_Dietary_Analysis_Modern.pptx
+++ b/Indian_Dietary_Analysis_Modern.pptx
@@ -3293,7 +3293,112 @@
               </a:defRPr>
             </a:pPr>
             <a:r>
+              <a:rPr lang="en-US" dirty="0"/>
               <a:t>Examining the relationship between traditional cuisines and health outcomes</a:t>
+            </a:r>
+          </a:p>
+        </p:txBody>
+      </p:sp>
+      <p:sp>
+        <p:nvSpPr>
+          <p:cNvPr id="9" name="TextBox 8">
+            <a:extLst>
+              <a:ext uri="{FF2B5EF4-FFF2-40B4-BE49-F238E27FC236}">
+                <a16:creationId xmlns:a16="http://schemas.microsoft.com/office/drawing/2014/main" id="{CA3509F4-0A49-A606-3818-8876294D4939}"/>
+              </a:ext>
+            </a:extLst>
+          </p:cNvPr>
+          <p:cNvSpPr txBox="1"/>
+          <p:nvPr/>
+        </p:nvSpPr>
+        <p:spPr>
+          <a:xfrm>
+            <a:off x="8617344" y="5199496"/>
+            <a:ext cx="3117456" cy="1200329"/>
+          </a:xfrm>
+          <a:prstGeom prst="rect">
+            <a:avLst/>
+          </a:prstGeom>
+          <a:noFill/>
+        </p:spPr>
+        <p:txBody>
+          <a:bodyPr wrap="none" rtlCol="0">
+            <a:spAutoFit/>
+          </a:bodyPr>
+          <a:lstStyle/>
+          <a:p>
+            <a:r>
+              <a:rPr lang="en-IN" dirty="0"/>
+              <a:t>Aayush Chawla – A008</a:t>
+            </a:r>
+          </a:p>
+          <a:p>
+            <a:r>
+              <a:rPr lang="en-IN" dirty="0"/>
+              <a:t>Dev </a:t>
+            </a:r>
+            <a:r>
+              <a:rPr lang="en-IN" dirty="0" err="1"/>
+              <a:t>Jadhwani</a:t>
+            </a:r>
+            <a:r>
+              <a:rPr lang="en-IN" dirty="0"/>
+              <a:t> – A020</a:t>
+            </a:r>
+          </a:p>
+          <a:p>
+            <a:r>
+              <a:rPr lang="en-IN" dirty="0"/>
+              <a:t>Saksham Rajeev Kapoor – A026</a:t>
+            </a:r>
+          </a:p>
+          <a:p>
+            <a:r>
+              <a:rPr lang="en-IN" dirty="0"/>
+              <a:t>Zuhair </a:t>
+            </a:r>
+            <a:r>
+              <a:rPr lang="en-IN" dirty="0" err="1"/>
+              <a:t>Khambati</a:t>
+            </a:r>
+            <a:r>
+              <a:rPr lang="en-IN" dirty="0"/>
+              <a:t> – A027</a:t>
+            </a:r>
+          </a:p>
+        </p:txBody>
+      </p:sp>
+      <p:sp>
+        <p:nvSpPr>
+          <p:cNvPr id="12" name="TextBox 11">
+            <a:extLst>
+              <a:ext uri="{FF2B5EF4-FFF2-40B4-BE49-F238E27FC236}">
+                <a16:creationId xmlns:a16="http://schemas.microsoft.com/office/drawing/2014/main" id="{6CA5AF7C-D451-AE65-EED9-AF6B3023242F}"/>
+              </a:ext>
+            </a:extLst>
+          </p:cNvPr>
+          <p:cNvSpPr txBox="1"/>
+          <p:nvPr/>
+        </p:nvSpPr>
+        <p:spPr>
+          <a:xfrm>
+            <a:off x="4748168" y="176169"/>
+            <a:ext cx="2397066" cy="646331"/>
+          </a:xfrm>
+          <a:prstGeom prst="rect">
+            <a:avLst/>
+          </a:prstGeom>
+          <a:noFill/>
+        </p:spPr>
+        <p:txBody>
+          <a:bodyPr wrap="none" rtlCol="0">
+            <a:spAutoFit/>
+          </a:bodyPr>
+          <a:lstStyle/>
+          <a:p>
+            <a:r>
+              <a:rPr lang="en-IN" sz="3600" dirty="0"/>
+              <a:t>DAP Project</a:t>
             </a:r>
           </a:p>
         </p:txBody>
@@ -3450,8 +3555,8 @@
         </p:nvSpPr>
         <p:spPr>
           <a:xfrm>
-            <a:off x="1005840" y="1554480"/>
-            <a:ext cx="10058400" cy="4389120"/>
+            <a:off x="242442" y="1554480"/>
+            <a:ext cx="6368083" cy="5095220"/>
           </a:xfrm>
           <a:prstGeom prst="roundRect">
             <a:avLst/>
@@ -3496,8 +3601,8 @@
         </p:nvSpPr>
         <p:spPr>
           <a:xfrm>
-            <a:off x="1005840" y="6126480"/>
-            <a:ext cx="10058400" cy="523220"/>
+            <a:off x="6749223" y="5577840"/>
+            <a:ext cx="5277514" cy="954107"/>
           </a:xfrm>
           <a:prstGeom prst="rect">
             <a:avLst/>
@@ -3560,14 +3665,113 @@
         </p:blipFill>
         <p:spPr>
           <a:xfrm>
-            <a:off x="1127760" y="1490472"/>
-            <a:ext cx="9677689" cy="4330820"/>
+            <a:off x="364362" y="1490471"/>
+            <a:ext cx="6127051" cy="5027541"/>
           </a:xfrm>
           <a:prstGeom prst="rect">
             <a:avLst/>
           </a:prstGeom>
         </p:spPr>
       </p:pic>
+      <p:sp>
+        <p:nvSpPr>
+          <p:cNvPr id="16" name="TextBox 15">
+            <a:extLst>
+              <a:ext uri="{FF2B5EF4-FFF2-40B4-BE49-F238E27FC236}">
+                <a16:creationId xmlns:a16="http://schemas.microsoft.com/office/drawing/2014/main" id="{80115698-BA60-C094-9D93-980A60800C61}"/>
+              </a:ext>
+            </a:extLst>
+          </p:cNvPr>
+          <p:cNvSpPr txBox="1"/>
+          <p:nvPr/>
+        </p:nvSpPr>
+        <p:spPr>
+          <a:xfrm>
+            <a:off x="6855903" y="2499325"/>
+            <a:ext cx="5277514" cy="2031325"/>
+          </a:xfrm>
+          <a:prstGeom prst="rect">
+            <a:avLst/>
+          </a:prstGeom>
+          <a:noFill/>
+        </p:spPr>
+        <p:txBody>
+          <a:bodyPr wrap="square">
+            <a:spAutoFit/>
+          </a:bodyPr>
+          <a:lstStyle/>
+          <a:p>
+            <a:r>
+              <a:rPr lang="en-IN" dirty="0"/>
+              <a:t># Display bar chart</a:t>
+            </a:r>
+          </a:p>
+          <a:p>
+            <a:r>
+              <a:rPr lang="en-IN" dirty="0"/>
+              <a:t>        fig = </a:t>
+            </a:r>
+            <a:r>
+              <a:rPr lang="en-IN" dirty="0" err="1"/>
+              <a:t>px.bar</a:t>
+            </a:r>
+            <a:r>
+              <a:rPr lang="en-IN" dirty="0"/>
+              <a:t>(</a:t>
+            </a:r>
+            <a:r>
+              <a:rPr lang="en-IN" dirty="0" err="1"/>
+              <a:t>spice_health.reset_index</a:t>
+            </a:r>
+            <a:r>
+              <a:rPr lang="en-IN" dirty="0"/>
+              <a:t>(), x='</a:t>
+            </a:r>
+            <a:r>
+              <a:rPr lang="en-IN" dirty="0" err="1"/>
+              <a:t>Spice_Level</a:t>
+            </a:r>
+            <a:r>
+              <a:rPr lang="en-IN" dirty="0"/>
+              <a:t>', y='mean',</a:t>
+            </a:r>
+          </a:p>
+          <a:p>
+            <a:r>
+              <a:rPr lang="en-IN" dirty="0"/>
+              <a:t>                    title='Average Health Score by Spice Level',</a:t>
+            </a:r>
+          </a:p>
+          <a:p>
+            <a:r>
+              <a:rPr lang="en-IN" dirty="0"/>
+              <a:t>                    labels={'mean': 'Average Health Score'})</a:t>
+            </a:r>
+          </a:p>
+          <a:p>
+            <a:r>
+              <a:rPr lang="en-IN" dirty="0"/>
+              <a:t>        </a:t>
+            </a:r>
+            <a:r>
+              <a:rPr lang="en-IN" dirty="0" err="1"/>
+              <a:t>st.plotly_chart</a:t>
+            </a:r>
+            <a:r>
+              <a:rPr lang="en-IN" dirty="0"/>
+              <a:t>(fig, </a:t>
+            </a:r>
+            <a:r>
+              <a:rPr lang="en-IN" dirty="0" err="1"/>
+              <a:t>use_container_width</a:t>
+            </a:r>
+            <a:r>
+              <a:rPr lang="en-IN" dirty="0"/>
+              <a:t>=True, key="spice_health_bar_q4")</a:t>
+            </a:r>
+          </a:p>
+        </p:txBody>
+      </p:sp>
     </p:spTree>
   </p:cSld>
   <p:clrMapOvr>
@@ -5356,8 +5560,8 @@
         </p:nvSpPr>
         <p:spPr>
           <a:xfrm>
-            <a:off x="1005840" y="1554480"/>
-            <a:ext cx="10058400" cy="4389120"/>
+            <a:off x="411480" y="1645919"/>
+            <a:ext cx="6021977" cy="4920343"/>
           </a:xfrm>
           <a:prstGeom prst="roundRect">
             <a:avLst/>
@@ -5410,8 +5614,8 @@
         </p:blipFill>
         <p:spPr>
           <a:xfrm>
-            <a:off x="1188720" y="1737360"/>
-            <a:ext cx="9692640" cy="4023360"/>
+            <a:off x="594360" y="1828800"/>
+            <a:ext cx="5802996" cy="4510314"/>
           </a:xfrm>
           <a:prstGeom prst="rect">
             <a:avLst/>
@@ -5426,8 +5630,8 @@
         </p:nvSpPr>
         <p:spPr>
           <a:xfrm>
-            <a:off x="1005840" y="6126480"/>
-            <a:ext cx="10058400" cy="523220"/>
+            <a:off x="7027817" y="5191873"/>
+            <a:ext cx="4994366" cy="738664"/>
           </a:xfrm>
           <a:prstGeom prst="rect">
             <a:avLst/>
@@ -5466,6 +5670,121 @@
             <a:r>
               <a:rPr dirty="0"/>
               <a:t>% normal BMI.</a:t>
+            </a:r>
+          </a:p>
+        </p:txBody>
+      </p:sp>
+      <p:sp>
+        <p:nvSpPr>
+          <p:cNvPr id="14" name="TextBox 13">
+            <a:extLst>
+              <a:ext uri="{FF2B5EF4-FFF2-40B4-BE49-F238E27FC236}">
+                <a16:creationId xmlns:a16="http://schemas.microsoft.com/office/drawing/2014/main" id="{39ECAFCE-E404-07B4-233C-B12C992F2C72}"/>
+              </a:ext>
+            </a:extLst>
+          </p:cNvPr>
+          <p:cNvSpPr txBox="1"/>
+          <p:nvPr/>
+        </p:nvSpPr>
+        <p:spPr>
+          <a:xfrm>
+            <a:off x="6744789" y="2333549"/>
+            <a:ext cx="4933406" cy="1815882"/>
+          </a:xfrm>
+          <a:prstGeom prst="rect">
+            <a:avLst/>
+          </a:prstGeom>
+          <a:noFill/>
+        </p:spPr>
+        <p:txBody>
+          <a:bodyPr wrap="square">
+            <a:spAutoFit/>
+          </a:bodyPr>
+          <a:lstStyle/>
+          <a:p>
+            <a:r>
+              <a:rPr lang="en-IN" sz="1600" dirty="0"/>
+              <a:t># Display histogram (first occurrence)</a:t>
+            </a:r>
+          </a:p>
+          <a:p>
+            <a:r>
+              <a:rPr lang="en-IN" sz="1600" dirty="0"/>
+              <a:t>        fig = </a:t>
+            </a:r>
+            <a:r>
+              <a:rPr lang="en-IN" sz="1600" dirty="0" err="1"/>
+              <a:t>px.histogram</a:t>
+            </a:r>
+            <a:r>
+              <a:rPr lang="en-IN" sz="1600" dirty="0"/>
+              <a:t>(</a:t>
+            </a:r>
+            <a:r>
+              <a:rPr lang="en-IN" sz="1600" dirty="0" err="1"/>
+              <a:t>filtered_df</a:t>
+            </a:r>
+            <a:r>
+              <a:rPr lang="en-IN" sz="1600" dirty="0"/>
+              <a:t>, x='Region', </a:t>
+            </a:r>
+            <a:r>
+              <a:rPr lang="en-IN" sz="1600" dirty="0" err="1"/>
+              <a:t>color</a:t>
+            </a:r>
+            <a:r>
+              <a:rPr lang="en-IN" sz="1600" dirty="0"/>
+              <a:t>='</a:t>
+            </a:r>
+            <a:r>
+              <a:rPr lang="en-IN" sz="1600" dirty="0" err="1"/>
+              <a:t>BMI_Category</a:t>
+            </a:r>
+            <a:r>
+              <a:rPr lang="en-IN" sz="1600" dirty="0"/>
+              <a:t>',</a:t>
+            </a:r>
+          </a:p>
+          <a:p>
+            <a:r>
+              <a:rPr lang="en-IN" sz="1600" dirty="0"/>
+              <a:t>                         title='BMI Category Distribution by Region',</a:t>
+            </a:r>
+          </a:p>
+          <a:p>
+            <a:r>
+              <a:rPr lang="en-IN" sz="1600" dirty="0"/>
+              <a:t>                         </a:t>
+            </a:r>
+            <a:r>
+              <a:rPr lang="en-IN" sz="1600" dirty="0" err="1"/>
+              <a:t>barmode</a:t>
+            </a:r>
+            <a:r>
+              <a:rPr lang="en-IN" sz="1600" dirty="0"/>
+              <a:t>='group')</a:t>
+            </a:r>
+          </a:p>
+          <a:p>
+            <a:r>
+              <a:rPr lang="en-IN" sz="1600" dirty="0"/>
+              <a:t>        </a:t>
+            </a:r>
+            <a:r>
+              <a:rPr lang="en-IN" sz="1600" dirty="0" err="1"/>
+              <a:t>st.plotly_chart</a:t>
+            </a:r>
+            <a:r>
+              <a:rPr lang="en-IN" sz="1600" dirty="0"/>
+              <a:t>(fig, </a:t>
+            </a:r>
+            <a:r>
+              <a:rPr lang="en-IN" sz="1600" dirty="0" err="1"/>
+              <a:t>use_container_width</a:t>
+            </a:r>
+            <a:r>
+              <a:rPr lang="en-IN" sz="1600" dirty="0"/>
+              <a:t>=True, key="bmi_category_region_hist_1")</a:t>
             </a:r>
           </a:p>
         </p:txBody>
@@ -5622,8 +5941,8 @@
         </p:nvSpPr>
         <p:spPr>
           <a:xfrm>
-            <a:off x="1005840" y="1554480"/>
-            <a:ext cx="10058400" cy="4389120"/>
+            <a:off x="301165" y="1496388"/>
+            <a:ext cx="6233776" cy="5170594"/>
           </a:xfrm>
           <a:prstGeom prst="roundRect">
             <a:avLst/>
@@ -5668,8 +5987,8 @@
         </p:nvSpPr>
         <p:spPr>
           <a:xfrm>
-            <a:off x="1005840" y="6126480"/>
-            <a:ext cx="10058400" cy="738664"/>
+            <a:off x="6572230" y="5109398"/>
+            <a:ext cx="5529101" cy="1169551"/>
           </a:xfrm>
           <a:prstGeom prst="rect">
             <a:avLst/>
@@ -5766,14 +6085,129 @@
         </p:blipFill>
         <p:spPr>
           <a:xfrm>
-            <a:off x="795344" y="1754094"/>
-            <a:ext cx="10479391" cy="3925884"/>
+            <a:off x="90669" y="1696002"/>
+            <a:ext cx="6494689" cy="4624880"/>
           </a:xfrm>
           <a:prstGeom prst="rect">
             <a:avLst/>
           </a:prstGeom>
         </p:spPr>
       </p:pic>
+      <p:sp>
+        <p:nvSpPr>
+          <p:cNvPr id="14" name="TextBox 13">
+            <a:extLst>
+              <a:ext uri="{FF2B5EF4-FFF2-40B4-BE49-F238E27FC236}">
+                <a16:creationId xmlns:a16="http://schemas.microsoft.com/office/drawing/2014/main" id="{9020A31C-6395-40A1-F855-308EF39F3E4F}"/>
+              </a:ext>
+            </a:extLst>
+          </p:cNvPr>
+          <p:cNvSpPr txBox="1"/>
+          <p:nvPr/>
+        </p:nvSpPr>
+        <p:spPr>
+          <a:xfrm>
+            <a:off x="6741436" y="2397948"/>
+            <a:ext cx="5190688" cy="2062103"/>
+          </a:xfrm>
+          <a:prstGeom prst="rect">
+            <a:avLst/>
+          </a:prstGeom>
+          <a:noFill/>
+        </p:spPr>
+        <p:txBody>
+          <a:bodyPr wrap="square">
+            <a:spAutoFit/>
+          </a:bodyPr>
+          <a:lstStyle/>
+          <a:p>
+            <a:r>
+              <a:rPr lang="en-IN" sz="1600" dirty="0"/>
+              <a:t> # Display bar chart (second occurrence)</a:t>
+            </a:r>
+          </a:p>
+          <a:p>
+            <a:r>
+              <a:rPr lang="en-IN" sz="1600" dirty="0"/>
+              <a:t>        fig = </a:t>
+            </a:r>
+            <a:r>
+              <a:rPr lang="en-IN" sz="1600" dirty="0" err="1"/>
+              <a:t>px.bar</a:t>
+            </a:r>
+            <a:r>
+              <a:rPr lang="en-IN" sz="1600" dirty="0"/>
+              <a:t>(</a:t>
+            </a:r>
+            <a:r>
+              <a:rPr lang="en-IN" sz="1600" dirty="0" err="1"/>
+              <a:t>filtered_df.groupby</a:t>
+            </a:r>
+            <a:r>
+              <a:rPr lang="en-IN" sz="1600" dirty="0"/>
+              <a:t>('Region')['</a:t>
+            </a:r>
+            <a:r>
+              <a:rPr lang="en-IN" sz="1600" dirty="0" err="1"/>
+              <a:t>Health_Score</a:t>
+            </a:r>
+            <a:r>
+              <a:rPr lang="en-IN" sz="1600" dirty="0"/>
+              <a:t>'].mean().</a:t>
+            </a:r>
+            <a:r>
+              <a:rPr lang="en-IN" sz="1600" dirty="0" err="1"/>
+              <a:t>reset_index</a:t>
+            </a:r>
+            <a:r>
+              <a:rPr lang="en-IN" sz="1600" dirty="0"/>
+              <a:t>(),</a:t>
+            </a:r>
+          </a:p>
+          <a:p>
+            <a:r>
+              <a:rPr lang="en-IN" sz="1600" dirty="0"/>
+              <a:t>                    x='Region', y='</a:t>
+            </a:r>
+            <a:r>
+              <a:rPr lang="en-IN" sz="1600" dirty="0" err="1"/>
+              <a:t>Health_Score</a:t>
+            </a:r>
+            <a:r>
+              <a:rPr lang="en-IN" sz="1600" dirty="0"/>
+              <a:t>',</a:t>
+            </a:r>
+          </a:p>
+          <a:p>
+            <a:r>
+              <a:rPr lang="en-IN" sz="1600" dirty="0"/>
+              <a:t>                    title='Average Health Score by Region')</a:t>
+            </a:r>
+          </a:p>
+          <a:p>
+            <a:r>
+              <a:rPr lang="en-IN" sz="1600" dirty="0"/>
+              <a:t>        </a:t>
+            </a:r>
+            <a:r>
+              <a:rPr lang="en-IN" sz="1600" dirty="0" err="1"/>
+              <a:t>st.plotly_chart</a:t>
+            </a:r>
+            <a:r>
+              <a:rPr lang="en-IN" sz="1600" dirty="0"/>
+              <a:t>(fig, </a:t>
+            </a:r>
+            <a:r>
+              <a:rPr lang="en-IN" sz="1600" dirty="0" err="1"/>
+              <a:t>use_container_width</a:t>
+            </a:r>
+            <a:r>
+              <a:rPr lang="en-IN" sz="1600" dirty="0"/>
+              <a:t>=True, key="region_health_score_bar_1")</a:t>
+            </a:r>
+          </a:p>
+        </p:txBody>
+      </p:sp>
     </p:spTree>
   </p:cSld>
   <p:clrMapOvr>
@@ -5926,8 +6360,8 @@
         </p:nvSpPr>
         <p:spPr>
           <a:xfrm>
-            <a:off x="1005840" y="1554480"/>
-            <a:ext cx="10058400" cy="4389120"/>
+            <a:off x="217275" y="1544185"/>
+            <a:ext cx="6116413" cy="4997322"/>
           </a:xfrm>
           <a:prstGeom prst="roundRect">
             <a:avLst/>
@@ -5972,8 +6406,8 @@
         </p:nvSpPr>
         <p:spPr>
           <a:xfrm>
-            <a:off x="1005840" y="6126480"/>
-            <a:ext cx="10058400" cy="738664"/>
+            <a:off x="6333688" y="5430193"/>
+            <a:ext cx="5688575" cy="954107"/>
           </a:xfrm>
           <a:prstGeom prst="rect">
             <a:avLst/>
@@ -6046,14 +6480,123 @@
         </p:blipFill>
         <p:spPr>
           <a:xfrm>
-            <a:off x="1053961" y="1742223"/>
-            <a:ext cx="9962158" cy="3835617"/>
+            <a:off x="265396" y="1731928"/>
+            <a:ext cx="6057889" cy="4367120"/>
           </a:xfrm>
           <a:prstGeom prst="rect">
             <a:avLst/>
           </a:prstGeom>
         </p:spPr>
       </p:pic>
+      <p:sp>
+        <p:nvSpPr>
+          <p:cNvPr id="14" name="TextBox 13">
+            <a:extLst>
+              <a:ext uri="{FF2B5EF4-FFF2-40B4-BE49-F238E27FC236}">
+                <a16:creationId xmlns:a16="http://schemas.microsoft.com/office/drawing/2014/main" id="{E80541B9-8BDE-2F39-7A25-568BCE8DE0AD}"/>
+              </a:ext>
+            </a:extLst>
+          </p:cNvPr>
+          <p:cNvSpPr txBox="1"/>
+          <p:nvPr/>
+        </p:nvSpPr>
+        <p:spPr>
+          <a:xfrm>
+            <a:off x="6593303" y="2679741"/>
+            <a:ext cx="5333301" cy="1323439"/>
+          </a:xfrm>
+          <a:prstGeom prst="rect">
+            <a:avLst/>
+          </a:prstGeom>
+          <a:noFill/>
+        </p:spPr>
+        <p:txBody>
+          <a:bodyPr wrap="square">
+            <a:spAutoFit/>
+          </a:bodyPr>
+          <a:lstStyle/>
+          <a:p>
+            <a:r>
+              <a:rPr lang="en-IN" sz="1600" dirty="0"/>
+              <a:t># Display box plot</a:t>
+            </a:r>
+          </a:p>
+          <a:p>
+            <a:r>
+              <a:rPr lang="en-IN" sz="1600" dirty="0"/>
+              <a:t>        fig = </a:t>
+            </a:r>
+            <a:r>
+              <a:rPr lang="en-IN" sz="1600" dirty="0" err="1"/>
+              <a:t>px.box</a:t>
+            </a:r>
+            <a:r>
+              <a:rPr lang="en-IN" sz="1600" dirty="0"/>
+              <a:t>(</a:t>
+            </a:r>
+            <a:r>
+              <a:rPr lang="en-IN" sz="1600" dirty="0" err="1"/>
+              <a:t>filtered_df</a:t>
+            </a:r>
+            <a:r>
+              <a:rPr lang="en-IN" sz="1600" dirty="0"/>
+              <a:t>, x='</a:t>
+            </a:r>
+            <a:r>
+              <a:rPr lang="en-IN" sz="1600" dirty="0" err="1"/>
+              <a:t>Diet_Type</a:t>
+            </a:r>
+            <a:r>
+              <a:rPr lang="en-IN" sz="1600" dirty="0"/>
+              <a:t>', y='</a:t>
+            </a:r>
+            <a:r>
+              <a:rPr lang="en-IN" sz="1600" dirty="0" err="1"/>
+              <a:t>Health_Score</a:t>
+            </a:r>
+            <a:r>
+              <a:rPr lang="en-IN" sz="1600" dirty="0"/>
+              <a:t>',</a:t>
+            </a:r>
+          </a:p>
+          <a:p>
+            <a:r>
+              <a:rPr lang="en-IN" sz="1600" dirty="0"/>
+              <a:t>                    title='Health Score Distribution by Diet Type')</a:t>
+            </a:r>
+          </a:p>
+          <a:p>
+            <a:r>
+              <a:rPr lang="en-IN" sz="1600" dirty="0"/>
+              <a:t>        </a:t>
+            </a:r>
+            <a:r>
+              <a:rPr lang="en-IN" sz="1600" dirty="0" err="1"/>
+              <a:t>st.plotly_chart</a:t>
+            </a:r>
+            <a:r>
+              <a:rPr lang="en-IN" sz="1600" dirty="0"/>
+              <a:t>(fig, </a:t>
+            </a:r>
+            <a:r>
+              <a:rPr lang="en-IN" sz="1600" dirty="0" err="1"/>
+              <a:t>use_container_width</a:t>
+            </a:r>
+            <a:r>
+              <a:rPr lang="en-IN" sz="1600" dirty="0"/>
+              <a:t>=True, key="</a:t>
+            </a:r>
+            <a:r>
+              <a:rPr lang="en-IN" sz="1600" dirty="0" err="1"/>
+              <a:t>diet_health_box</a:t>
+            </a:r>
+            <a:r>
+              <a:rPr lang="en-IN" sz="1600" dirty="0"/>
+              <a:t>")</a:t>
+            </a:r>
+          </a:p>
+        </p:txBody>
+      </p:sp>
     </p:spTree>
   </p:cSld>
   <p:clrMapOvr>
@@ -6206,8 +6749,8 @@
         </p:nvSpPr>
         <p:spPr>
           <a:xfrm>
-            <a:off x="1005840" y="1554480"/>
-            <a:ext cx="10058400" cy="4389120"/>
+            <a:off x="274320" y="1448527"/>
+            <a:ext cx="6275804" cy="5104114"/>
           </a:xfrm>
           <a:prstGeom prst="roundRect">
             <a:avLst/>
@@ -6260,8 +6803,8 @@
         </p:blipFill>
         <p:spPr>
           <a:xfrm>
-            <a:off x="1188720" y="1737360"/>
-            <a:ext cx="9692640" cy="4023360"/>
+            <a:off x="457200" y="1631406"/>
+            <a:ext cx="6047593" cy="4678771"/>
           </a:xfrm>
           <a:prstGeom prst="rect">
             <a:avLst/>
@@ -6276,8 +6819,8 @@
         </p:nvSpPr>
         <p:spPr>
           <a:xfrm>
-            <a:off x="796954" y="6126480"/>
-            <a:ext cx="10267286" cy="307777"/>
+            <a:off x="6687673" y="5864870"/>
+            <a:ext cx="5299046" cy="523220"/>
           </a:xfrm>
           <a:prstGeom prst="rect">
             <a:avLst/>
@@ -6332,6 +6875,107 @@
             <a:r>
               <a:rPr dirty="0"/>
               <a:t>). </a:t>
+            </a:r>
+          </a:p>
+        </p:txBody>
+      </p:sp>
+      <p:sp>
+        <p:nvSpPr>
+          <p:cNvPr id="14" name="TextBox 13">
+            <a:extLst>
+              <a:ext uri="{FF2B5EF4-FFF2-40B4-BE49-F238E27FC236}">
+                <a16:creationId xmlns:a16="http://schemas.microsoft.com/office/drawing/2014/main" id="{33A8111D-D01B-77A4-168C-C0F713D12EF8}"/>
+              </a:ext>
+            </a:extLst>
+          </p:cNvPr>
+          <p:cNvSpPr txBox="1"/>
+          <p:nvPr/>
+        </p:nvSpPr>
+        <p:spPr>
+          <a:xfrm>
+            <a:off x="6813632" y="2690336"/>
+            <a:ext cx="5047127" cy="1477328"/>
+          </a:xfrm>
+          <a:prstGeom prst="rect">
+            <a:avLst/>
+          </a:prstGeom>
+          <a:noFill/>
+        </p:spPr>
+        <p:txBody>
+          <a:bodyPr wrap="square">
+            <a:spAutoFit/>
+          </a:bodyPr>
+          <a:lstStyle/>
+          <a:p>
+            <a:r>
+              <a:rPr lang="en-IN" dirty="0"/>
+              <a:t># Display box plot</a:t>
+            </a:r>
+          </a:p>
+          <a:p>
+            <a:r>
+              <a:rPr lang="en-IN" dirty="0"/>
+              <a:t>        fig = </a:t>
+            </a:r>
+            <a:r>
+              <a:rPr lang="en-IN" dirty="0" err="1"/>
+              <a:t>px.box</a:t>
+            </a:r>
+            <a:r>
+              <a:rPr lang="en-IN" dirty="0"/>
+              <a:t>(</a:t>
+            </a:r>
+            <a:r>
+              <a:rPr lang="en-IN" dirty="0" err="1"/>
+              <a:t>filtered_df</a:t>
+            </a:r>
+            <a:r>
+              <a:rPr lang="en-IN" dirty="0"/>
+              <a:t>, x='</a:t>
+            </a:r>
+            <a:r>
+              <a:rPr lang="en-IN" dirty="0" err="1"/>
+              <a:t>Diet_Type</a:t>
+            </a:r>
+            <a:r>
+              <a:rPr lang="en-IN" dirty="0"/>
+              <a:t>', y='BMI',</a:t>
+            </a:r>
+          </a:p>
+          <a:p>
+            <a:r>
+              <a:rPr lang="en-IN" dirty="0"/>
+              <a:t>                    title='BMI Distribution by Diet Type')</a:t>
+            </a:r>
+          </a:p>
+          <a:p>
+            <a:r>
+              <a:rPr lang="en-IN" dirty="0"/>
+              <a:t>        </a:t>
+            </a:r>
+            <a:r>
+              <a:rPr lang="en-IN" dirty="0" err="1"/>
+              <a:t>st.plotly_chart</a:t>
+            </a:r>
+            <a:r>
+              <a:rPr lang="en-IN" dirty="0"/>
+              <a:t>(fig, </a:t>
+            </a:r>
+            <a:r>
+              <a:rPr lang="en-IN" dirty="0" err="1"/>
+              <a:t>use_container_width</a:t>
+            </a:r>
+            <a:r>
+              <a:rPr lang="en-IN" dirty="0"/>
+              <a:t>=True, key="</a:t>
+            </a:r>
+            <a:r>
+              <a:rPr lang="en-IN" dirty="0" err="1"/>
+              <a:t>diet_bmi_box</a:t>
+            </a:r>
+            <a:r>
+              <a:rPr lang="en-IN" dirty="0"/>
+              <a:t>")</a:t>
             </a:r>
           </a:p>
         </p:txBody>
